--- a/Nuclear_Fuel_Performance/NE533_Spring2022/section3/Lec17_oxide_hydride.pptx
+++ b/Nuclear_Fuel_Performance/NE533_Spring2022/section3/Lec17_oxide_hydride.pptx
@@ -325,7 +325,7 @@
             </a:pPr>
             <a:fld id="{D6F3A803-A045-354B-887A-01433CE46FC2}" type="datetime1">
               <a:rPr lang="en-US" smtClean="0"/>
-              <a:t>3/24/22</a:t>
+              <a:t>3/28/22</a:t>
             </a:fld>
             <a:endParaRPr lang="en-US"/>
           </a:p>
@@ -518,7 +518,7 @@
             </a:pPr>
             <a:fld id="{A8B33C1D-C2E2-1049-AA3F-CD6E91052752}" type="datetime1">
               <a:rPr lang="en-US" smtClean="0"/>
-              <a:t>3/24/22</a:t>
+              <a:t>3/28/22</a:t>
             </a:fld>
             <a:endParaRPr lang="en-US"/>
           </a:p>
@@ -720,7 +720,7 @@
             </a:pPr>
             <a:fld id="{2791AD68-B60C-4542-BDDD-2074DE6DE828}" type="datetime1">
               <a:rPr lang="en-US" smtClean="0"/>
-              <a:t>3/24/22</a:t>
+              <a:t>3/28/22</a:t>
             </a:fld>
             <a:endParaRPr lang="en-US"/>
           </a:p>
@@ -919,7 +919,7 @@
             </a:pPr>
             <a:fld id="{C5BD04BF-9DC2-6341-92B2-BD109A2EF3B1}" type="datetime1">
               <a:rPr lang="en-US" smtClean="0"/>
-              <a:t>3/24/22</a:t>
+              <a:t>3/28/22</a:t>
             </a:fld>
             <a:endParaRPr lang="en-US"/>
           </a:p>
@@ -1189,7 +1189,7 @@
             </a:pPr>
             <a:fld id="{FB0FFBC7-3028-644D-986B-D9855CB74B38}" type="datetime1">
               <a:rPr lang="en-US" smtClean="0"/>
-              <a:t>3/24/22</a:t>
+              <a:t>3/28/22</a:t>
             </a:fld>
             <a:endParaRPr lang="en-US"/>
           </a:p>
@@ -1500,7 +1500,7 @@
             </a:pPr>
             <a:fld id="{2C3B8AE4-01F5-CC42-9C62-61BC6528368B}" type="datetime1">
               <a:rPr lang="en-US" smtClean="0"/>
-              <a:t>3/24/22</a:t>
+              <a:t>3/28/22</a:t>
             </a:fld>
             <a:endParaRPr lang="en-US"/>
           </a:p>
@@ -1943,7 +1943,7 @@
             </a:pPr>
             <a:fld id="{77E49314-4A78-2444-9569-44EB70168344}" type="datetime1">
               <a:rPr lang="en-US" smtClean="0"/>
-              <a:t>3/24/22</a:t>
+              <a:t>3/28/22</a:t>
             </a:fld>
             <a:endParaRPr lang="en-US"/>
           </a:p>
@@ -2084,7 +2084,7 @@
             </a:pPr>
             <a:fld id="{5BC22837-4683-B242-B000-BCEE30621787}" type="datetime1">
               <a:rPr lang="en-US" smtClean="0"/>
-              <a:t>3/24/22</a:t>
+              <a:t>3/28/22</a:t>
             </a:fld>
             <a:endParaRPr lang="en-US"/>
           </a:p>
@@ -2203,7 +2203,7 @@
             </a:pPr>
             <a:fld id="{DCDAE926-7EF1-0B40-B57E-417D188A609C}" type="datetime1">
               <a:rPr lang="en-US" smtClean="0"/>
-              <a:t>3/24/22</a:t>
+              <a:t>3/28/22</a:t>
             </a:fld>
             <a:endParaRPr lang="en-US"/>
           </a:p>
@@ -2502,7 +2502,7 @@
             </a:pPr>
             <a:fld id="{518D107B-B9C7-5B41-A168-55258AB95F52}" type="datetime1">
               <a:rPr lang="en-US" smtClean="0"/>
-              <a:t>3/24/22</a:t>
+              <a:t>3/28/22</a:t>
             </a:fld>
             <a:endParaRPr lang="en-US"/>
           </a:p>
@@ -2786,7 +2786,7 @@
             </a:pPr>
             <a:fld id="{3AD92D36-EE82-3142-B011-9831FB5E702F}" type="datetime1">
               <a:rPr lang="en-US" smtClean="0"/>
-              <a:t>3/24/22</a:t>
+              <a:t>3/28/22</a:t>
             </a:fld>
             <a:endParaRPr lang="en-US"/>
           </a:p>
@@ -2927,7 +2927,7 @@
               </a14:hiddenLine>
             </a:ext>
             <a:ext uri="{FAA26D3D-D897-4be2-8F04-BA451C77F1D7}">
-              <ma14:placeholderFlag xmlns:ma14="http://schemas.microsoft.com/office/mac/drawingml/2011/main" xmlns="" val="1"/>
+              <ma14:placeholderFlag xmlns="" xmlns:ma14="http://schemas.microsoft.com/office/mac/drawingml/2011/main" val="1"/>
             </a:ext>
           </a:extLst>
         </p:spPr>
@@ -2995,7 +2995,7 @@
               </a14:hiddenLine>
             </a:ext>
             <a:ext uri="{FAA26D3D-D897-4be2-8F04-BA451C77F1D7}">
-              <ma14:placeholderFlag xmlns:ma14="http://schemas.microsoft.com/office/mac/drawingml/2011/main" xmlns="" val="1"/>
+              <ma14:placeholderFlag xmlns="" xmlns:ma14="http://schemas.microsoft.com/office/mac/drawingml/2011/main" val="1"/>
             </a:ext>
           </a:extLst>
         </p:spPr>
@@ -3091,7 +3091,7 @@
             </a:pPr>
             <a:fld id="{3EE08B4B-7256-494F-A90D-3891BD685F4A}" type="datetime1">
               <a:rPr lang="en-US" smtClean="0"/>
-              <a:t>3/24/22</a:t>
+              <a:t>3/28/22</a:t>
             </a:fld>
             <a:endParaRPr lang="en-US" dirty="0"/>
           </a:p>
@@ -4005,7 +4005,7 @@
           </a:ln>
           <a:extLst>
             <a:ext uri="{909E8E84-426E-40dd-AFC4-6F175D3DCCD1}">
-              <a14:hiddenFill xmlns:a14="http://schemas.microsoft.com/office/drawing/2010/main" xmlns="">
+              <a14:hiddenFill xmlns="" xmlns:a14="http://schemas.microsoft.com/office/drawing/2010/main">
                 <a:solidFill>
                   <a:srgbClr val="FFFFFF"/>
                 </a:solidFill>
@@ -4168,7 +4168,7 @@
           </a:ln>
           <a:extLst>
             <a:ext uri="{909E8E84-426E-40dd-AFC4-6F175D3DCCD1}">
-              <a14:hiddenFill xmlns:a14="http://schemas.microsoft.com/office/drawing/2010/main" xmlns="">
+              <a14:hiddenFill xmlns="" xmlns:a14="http://schemas.microsoft.com/office/drawing/2010/main">
                 <a:solidFill>
                   <a:srgbClr val="FFFFFF"/>
                 </a:solidFill>
@@ -4495,7 +4495,7 @@
           <a:p>
             <a:r>
               <a:rPr lang="en-US" dirty="0"/>
-              <a:t>The ratio of the volume per unit of the metal oxide to the volume per unit of the corresponding metal  is called the Pilling-</a:t>
+              <a:t>The ratio of the volume per unit of the metal oxide to the volume per unit of the corresponding metal is called the Pilling-</a:t>
             </a:r>
             <a:r>
               <a:rPr lang="en-US" dirty="0" err="1"/>
@@ -7998,7 +7998,7 @@
           <a:graphicData uri="http://schemas.openxmlformats.org/presentationml/2006/ole">
             <mc:AlternateContent xmlns:mc="http://schemas.openxmlformats.org/markup-compatibility/2006">
               <mc:Choice xmlns:v="urn:schemas-microsoft-com:vml" Requires="v">
-                <p:oleObj spid="_x0000_s5148" name="Equation" r:id="rId5" imgW="1524000" imgH="203200" progId="Equation.3">
+                <p:oleObj spid="_x0000_s5150" name="Equation" r:id="rId5" imgW="1524000" imgH="203200" progId="Equation.3">
                   <p:embed/>
                 </p:oleObj>
               </mc:Choice>
@@ -8041,14 +8041,14 @@
                       <a:effectLst/>
                       <a:extLst>
                         <a:ext uri="{909E8E84-426E-40dd-AFC4-6F175D3DCCD1}">
-                          <a14:hiddenFill xmlns:a14="http://schemas.microsoft.com/office/drawing/2010/main" xmlns="">
+                          <a14:hiddenFill xmlns="" xmlns:a14="http://schemas.microsoft.com/office/drawing/2010/main">
                             <a:solidFill>
                               <a:schemeClr val="tx2"/>
                             </a:solidFill>
                           </a14:hiddenFill>
                         </a:ext>
                         <a:ext uri="{91240B29-F687-4f45-9708-019B960494DF}">
-                          <a14:hiddenLine xmlns:a14="http://schemas.microsoft.com/office/drawing/2010/main" xmlns="" w="9525">
+                          <a14:hiddenLine xmlns="" xmlns:a14="http://schemas.microsoft.com/office/drawing/2010/main" w="9525">
                             <a:solidFill>
                               <a:srgbClr val="000000"/>
                             </a:solidFill>
@@ -8058,7 +8058,7 @@
                           </a14:hiddenLine>
                         </a:ext>
                         <a:ext uri="{AF507438-7753-43e0-B8FC-AC1667EBCBE1}">
-                          <a14:hiddenEffects xmlns:a14="http://schemas.microsoft.com/office/drawing/2010/main" xmlns="">
+                          <a14:hiddenEffects xmlns="" xmlns:a14="http://schemas.microsoft.com/office/drawing/2010/main">
                             <a:effectLst>
                               <a:outerShdw blurRad="63500" dist="38099" dir="2700000" algn="ctr" rotWithShape="0">
                                 <a:srgbClr val="000000">
@@ -9188,7 +9188,7 @@
           <a:graphicData uri="http://schemas.openxmlformats.org/presentationml/2006/ole">
             <mc:AlternateContent xmlns:mc="http://schemas.openxmlformats.org/markup-compatibility/2006">
               <mc:Choice xmlns:v="urn:schemas-microsoft-com:vml" Requires="v">
-                <p:oleObj spid="_x0000_s6195" name="Equation" r:id="rId3" imgW="3898900" imgH="635000" progId="Equation.DSMT4">
+                <p:oleObj spid="_x0000_s6199" name="Equation" r:id="rId3" imgW="3898900" imgH="635000" progId="Equation.DSMT4">
                   <p:embed/>
                 </p:oleObj>
               </mc:Choice>
@@ -9266,7 +9266,7 @@
           <a:graphicData uri="http://schemas.openxmlformats.org/presentationml/2006/ole">
             <mc:AlternateContent xmlns:mc="http://schemas.openxmlformats.org/markup-compatibility/2006">
               <mc:Choice xmlns:v="urn:schemas-microsoft-com:vml" Requires="v">
-                <p:oleObj spid="_x0000_s6196" name="Equation" r:id="rId5" imgW="2209800" imgH="1866900" progId="Equation.3">
+                <p:oleObj spid="_x0000_s6200" name="Equation" r:id="rId5" imgW="2209800" imgH="1866900" progId="Equation.3">
                   <p:embed/>
                 </p:oleObj>
               </mc:Choice>
@@ -9645,7 +9645,7 @@
           <a:graphicData uri="http://schemas.openxmlformats.org/presentationml/2006/ole">
             <mc:AlternateContent xmlns:mc="http://schemas.openxmlformats.org/markup-compatibility/2006">
               <mc:Choice xmlns:v="urn:schemas-microsoft-com:vml" Requires="v">
-                <p:oleObj spid="_x0000_s7269" name="Equation" r:id="rId4" imgW="1778000" imgH="279400" progId="Equation.DSMT4">
+                <p:oleObj spid="_x0000_s7277" name="Equation" r:id="rId4" imgW="1778000" imgH="279400" progId="Equation.DSMT4">
                   <p:embed/>
                 </p:oleObj>
               </mc:Choice>
@@ -9687,14 +9687,14 @@
                       </a:ln>
                       <a:extLst>
                         <a:ext uri="{909E8E84-426E-40dd-AFC4-6F175D3DCCD1}">
-                          <a14:hiddenFill xmlns:a14="http://schemas.microsoft.com/office/drawing/2010/main" xmlns="">
+                          <a14:hiddenFill xmlns="" xmlns:a14="http://schemas.microsoft.com/office/drawing/2010/main">
                             <a:solidFill>
                               <a:srgbClr val="FFFFFF"/>
                             </a:solidFill>
                           </a14:hiddenFill>
                         </a:ext>
                         <a:ext uri="{91240B29-F687-4f45-9708-019B960494DF}">
-                          <a14:hiddenLine xmlns:a14="http://schemas.microsoft.com/office/drawing/2010/main" xmlns="" w="9525">
+                          <a14:hiddenLine xmlns="" xmlns:a14="http://schemas.microsoft.com/office/drawing/2010/main" w="9525">
                             <a:solidFill>
                               <a:srgbClr val="000000"/>
                             </a:solidFill>
@@ -9740,7 +9740,7 @@
           <a:graphicData uri="http://schemas.openxmlformats.org/presentationml/2006/ole">
             <mc:AlternateContent xmlns:mc="http://schemas.openxmlformats.org/markup-compatibility/2006">
               <mc:Choice xmlns:v="urn:schemas-microsoft-com:vml" Requires="v">
-                <p:oleObj spid="_x0000_s7270" name="Equation" r:id="rId6" imgW="533169" imgH="431613" progId="Equation.DSMT4">
+                <p:oleObj spid="_x0000_s7278" name="Equation" r:id="rId6" imgW="533169" imgH="431613" progId="Equation.DSMT4">
                   <p:embed/>
                 </p:oleObj>
               </mc:Choice>
@@ -9782,14 +9782,14 @@
                       </a:ln>
                       <a:extLst>
                         <a:ext uri="{909E8E84-426E-40dd-AFC4-6F175D3DCCD1}">
-                          <a14:hiddenFill xmlns:a14="http://schemas.microsoft.com/office/drawing/2010/main" xmlns="">
+                          <a14:hiddenFill xmlns="" xmlns:a14="http://schemas.microsoft.com/office/drawing/2010/main">
                             <a:solidFill>
                               <a:srgbClr val="FFFFFF"/>
                             </a:solidFill>
                           </a14:hiddenFill>
                         </a:ext>
                         <a:ext uri="{91240B29-F687-4f45-9708-019B960494DF}">
-                          <a14:hiddenLine xmlns:a14="http://schemas.microsoft.com/office/drawing/2010/main" xmlns="" w="9525">
+                          <a14:hiddenLine xmlns="" xmlns:a14="http://schemas.microsoft.com/office/drawing/2010/main" w="9525">
                             <a:solidFill>
                               <a:srgbClr val="000000"/>
                             </a:solidFill>
@@ -9835,7 +9835,7 @@
           <a:graphicData uri="http://schemas.openxmlformats.org/presentationml/2006/ole">
             <mc:AlternateContent xmlns:mc="http://schemas.openxmlformats.org/markup-compatibility/2006">
               <mc:Choice xmlns:v="urn:schemas-microsoft-com:vml" Requires="v">
-                <p:oleObj spid="_x0000_s7271" name="Equation" r:id="rId8" imgW="850531" imgH="241195" progId="Equation.DSMT4">
+                <p:oleObj spid="_x0000_s7279" name="Equation" r:id="rId8" imgW="850531" imgH="241195" progId="Equation.DSMT4">
                   <p:embed/>
                 </p:oleObj>
               </mc:Choice>
@@ -9877,14 +9877,14 @@
                       </a:ln>
                       <a:extLst>
                         <a:ext uri="{909E8E84-426E-40dd-AFC4-6F175D3DCCD1}">
-                          <a14:hiddenFill xmlns:a14="http://schemas.microsoft.com/office/drawing/2010/main" xmlns="">
+                          <a14:hiddenFill xmlns="" xmlns:a14="http://schemas.microsoft.com/office/drawing/2010/main">
                             <a:solidFill>
                               <a:srgbClr val="FFFFFF"/>
                             </a:solidFill>
                           </a14:hiddenFill>
                         </a:ext>
                         <a:ext uri="{91240B29-F687-4f45-9708-019B960494DF}">
-                          <a14:hiddenLine xmlns:a14="http://schemas.microsoft.com/office/drawing/2010/main" xmlns="" w="9525">
+                          <a14:hiddenLine xmlns="" xmlns:a14="http://schemas.microsoft.com/office/drawing/2010/main" w="9525">
                             <a:solidFill>
                               <a:srgbClr val="000000"/>
                             </a:solidFill>
@@ -9930,7 +9930,7 @@
           <a:graphicData uri="http://schemas.openxmlformats.org/presentationml/2006/ole">
             <mc:AlternateContent xmlns:mc="http://schemas.openxmlformats.org/markup-compatibility/2006">
               <mc:Choice xmlns:v="urn:schemas-microsoft-com:vml" Requires="v">
-                <p:oleObj spid="_x0000_s7272" name="Equation" r:id="rId10" imgW="1218671" imgH="241195" progId="Equation.3">
+                <p:oleObj spid="_x0000_s7280" name="Equation" r:id="rId10" imgW="1218671" imgH="241195" progId="Equation.3">
                   <p:embed/>
                 </p:oleObj>
               </mc:Choice>
@@ -9972,14 +9972,14 @@
                       </a:ln>
                       <a:extLst>
                         <a:ext uri="{909E8E84-426E-40dd-AFC4-6F175D3DCCD1}">
-                          <a14:hiddenFill xmlns:a14="http://schemas.microsoft.com/office/drawing/2010/main" xmlns="">
+                          <a14:hiddenFill xmlns="" xmlns:a14="http://schemas.microsoft.com/office/drawing/2010/main">
                             <a:solidFill>
                               <a:srgbClr val="FFFFFF"/>
                             </a:solidFill>
                           </a14:hiddenFill>
                         </a:ext>
                         <a:ext uri="{91240B29-F687-4f45-9708-019B960494DF}">
-                          <a14:hiddenLine xmlns:a14="http://schemas.microsoft.com/office/drawing/2010/main" xmlns="" w="9525">
+                          <a14:hiddenLine xmlns="" xmlns:a14="http://schemas.microsoft.com/office/drawing/2010/main" w="9525">
                             <a:solidFill>
                               <a:srgbClr val="000000"/>
                             </a:solidFill>
@@ -10192,14 +10192,14 @@
           <a:effectLst/>
           <a:extLst>
             <a:ext uri="{909E8E84-426E-40dd-AFC4-6F175D3DCCD1}">
-              <a14:hiddenFill xmlns:a14="http://schemas.microsoft.com/office/drawing/2010/main" xmlns="">
+              <a14:hiddenFill xmlns="" xmlns:a14="http://schemas.microsoft.com/office/drawing/2010/main">
                 <a:solidFill>
                   <a:schemeClr val="accent1"/>
                 </a:solidFill>
               </a14:hiddenFill>
             </a:ext>
             <a:ext uri="{91240B29-F687-4f45-9708-019B960494DF}">
-              <a14:hiddenLine xmlns:a14="http://schemas.microsoft.com/office/drawing/2010/main" xmlns="" w="9525">
+              <a14:hiddenLine xmlns="" xmlns:a14="http://schemas.microsoft.com/office/drawing/2010/main" w="9525">
                 <a:solidFill>
                   <a:schemeClr val="tx1"/>
                 </a:solidFill>
@@ -10209,7 +10209,7 @@
               </a14:hiddenLine>
             </a:ext>
             <a:ext uri="{AF507438-7753-43e0-B8FC-AC1667EBCBE1}">
-              <a14:hiddenEffects xmlns:a14="http://schemas.microsoft.com/office/drawing/2010/main" xmlns="">
+              <a14:hiddenEffects xmlns="" xmlns:a14="http://schemas.microsoft.com/office/drawing/2010/main">
                 <a:effectLst>
                   <a:outerShdw blurRad="63500" dist="38099" dir="2700000" algn="ctr" rotWithShape="0">
                     <a:schemeClr val="bg2">
@@ -10447,14 +10447,14 @@
           </a:ln>
           <a:extLst>
             <a:ext uri="{909E8E84-426E-40dd-AFC4-6F175D3DCCD1}">
-              <a14:hiddenFill xmlns:a14="http://schemas.microsoft.com/office/drawing/2010/main" xmlns="">
+              <a14:hiddenFill xmlns="" xmlns:a14="http://schemas.microsoft.com/office/drawing/2010/main">
                 <a:solidFill>
                   <a:srgbClr val="FFFFFF"/>
                 </a:solidFill>
               </a14:hiddenFill>
             </a:ext>
             <a:ext uri="{91240B29-F687-4f45-9708-019B960494DF}">
-              <a14:hiddenLine xmlns:a14="http://schemas.microsoft.com/office/drawing/2010/main" xmlns="" w="9525">
+              <a14:hiddenLine xmlns="" xmlns:a14="http://schemas.microsoft.com/office/drawing/2010/main" w="9525">
                 <a:solidFill>
                   <a:srgbClr val="000000"/>
                 </a:solidFill>
@@ -10585,14 +10585,14 @@
           <a:ln/>
           <a:extLst>
             <a:ext uri="{909E8E84-426E-40dd-AFC4-6F175D3DCCD1}">
-              <a14:hiddenFill xmlns:a14="http://schemas.microsoft.com/office/drawing/2010/main" xmlns="">
+              <a14:hiddenFill xmlns="" xmlns:a14="http://schemas.microsoft.com/office/drawing/2010/main">
                 <a:solidFill>
                   <a:srgbClr val="FFFFFF"/>
                 </a:solidFill>
               </a14:hiddenFill>
             </a:ext>
             <a:ext uri="{91240B29-F687-4f45-9708-019B960494DF}">
-              <a14:hiddenLine xmlns:a14="http://schemas.microsoft.com/office/drawing/2010/main" xmlns="" w="9525">
+              <a14:hiddenLine xmlns="" xmlns:a14="http://schemas.microsoft.com/office/drawing/2010/main" w="9525">
                 <a:solidFill>
                   <a:srgbClr val="000000"/>
                 </a:solidFill>
@@ -10792,14 +10792,14 @@
           </a:ln>
           <a:extLst>
             <a:ext uri="{909E8E84-426E-40dd-AFC4-6F175D3DCCD1}">
-              <a14:hiddenFill xmlns:a14="http://schemas.microsoft.com/office/drawing/2010/main" xmlns="">
+              <a14:hiddenFill xmlns="" xmlns:a14="http://schemas.microsoft.com/office/drawing/2010/main">
                 <a:solidFill>
                   <a:srgbClr val="FFFFFF"/>
                 </a:solidFill>
               </a14:hiddenFill>
             </a:ext>
             <a:ext uri="{91240B29-F687-4f45-9708-019B960494DF}">
-              <a14:hiddenLine xmlns:a14="http://schemas.microsoft.com/office/drawing/2010/main" xmlns="" w="9525">
+              <a14:hiddenLine xmlns="" xmlns:a14="http://schemas.microsoft.com/office/drawing/2010/main" w="9525">
                 <a:solidFill>
                   <a:srgbClr val="000000"/>
                 </a:solidFill>
@@ -10854,14 +10854,14 @@
           </a:ln>
           <a:extLst>
             <a:ext uri="{909E8E84-426E-40dd-AFC4-6F175D3DCCD1}">
-              <a14:hiddenFill xmlns:a14="http://schemas.microsoft.com/office/drawing/2010/main" xmlns="">
+              <a14:hiddenFill xmlns="" xmlns:a14="http://schemas.microsoft.com/office/drawing/2010/main">
                 <a:solidFill>
                   <a:srgbClr val="FFFFFF"/>
                 </a:solidFill>
               </a14:hiddenFill>
             </a:ext>
             <a:ext uri="{91240B29-F687-4f45-9708-019B960494DF}">
-              <a14:hiddenLine xmlns:a14="http://schemas.microsoft.com/office/drawing/2010/main" xmlns="" w="9525">
+              <a14:hiddenLine xmlns="" xmlns:a14="http://schemas.microsoft.com/office/drawing/2010/main" w="9525">
                 <a:solidFill>
                   <a:srgbClr val="000000"/>
                 </a:solidFill>
@@ -10916,14 +10916,14 @@
           </a:ln>
           <a:extLst>
             <a:ext uri="{909E8E84-426E-40dd-AFC4-6F175D3DCCD1}">
-              <a14:hiddenFill xmlns:a14="http://schemas.microsoft.com/office/drawing/2010/main" xmlns="">
+              <a14:hiddenFill xmlns="" xmlns:a14="http://schemas.microsoft.com/office/drawing/2010/main">
                 <a:solidFill>
                   <a:srgbClr val="FFFFFF"/>
                 </a:solidFill>
               </a14:hiddenFill>
             </a:ext>
             <a:ext uri="{91240B29-F687-4f45-9708-019B960494DF}">
-              <a14:hiddenLine xmlns:a14="http://schemas.microsoft.com/office/drawing/2010/main" xmlns="" w="9525">
+              <a14:hiddenLine xmlns="" xmlns:a14="http://schemas.microsoft.com/office/drawing/2010/main" w="9525">
                 <a:solidFill>
                   <a:srgbClr val="000000"/>
                 </a:solidFill>
@@ -10978,14 +10978,14 @@
           </a:ln>
           <a:extLst>
             <a:ext uri="{909E8E84-426E-40dd-AFC4-6F175D3DCCD1}">
-              <a14:hiddenFill xmlns:a14="http://schemas.microsoft.com/office/drawing/2010/main" xmlns="">
+              <a14:hiddenFill xmlns="" xmlns:a14="http://schemas.microsoft.com/office/drawing/2010/main">
                 <a:solidFill>
                   <a:srgbClr val="FFFFFF"/>
                 </a:solidFill>
               </a14:hiddenFill>
             </a:ext>
             <a:ext uri="{91240B29-F687-4f45-9708-019B960494DF}">
-              <a14:hiddenLine xmlns:a14="http://schemas.microsoft.com/office/drawing/2010/main" xmlns="" w="9525">
+              <a14:hiddenLine xmlns="" xmlns:a14="http://schemas.microsoft.com/office/drawing/2010/main" w="9525">
                 <a:solidFill>
                   <a:srgbClr val="000000"/>
                 </a:solidFill>
@@ -11026,14 +11026,14 @@
           <a:effectLst/>
           <a:extLst>
             <a:ext uri="{909E8E84-426E-40dd-AFC4-6F175D3DCCD1}">
-              <a14:hiddenFill xmlns:a14="http://schemas.microsoft.com/office/drawing/2010/main" xmlns="">
+              <a14:hiddenFill xmlns="" xmlns:a14="http://schemas.microsoft.com/office/drawing/2010/main">
                 <a:solidFill>
                   <a:schemeClr val="accent1"/>
                 </a:solidFill>
               </a14:hiddenFill>
             </a:ext>
             <a:ext uri="{91240B29-F687-4f45-9708-019B960494DF}">
-              <a14:hiddenLine xmlns:a14="http://schemas.microsoft.com/office/drawing/2010/main" xmlns="" w="9525">
+              <a14:hiddenLine xmlns="" xmlns:a14="http://schemas.microsoft.com/office/drawing/2010/main" w="9525">
                 <a:solidFill>
                   <a:schemeClr val="tx1"/>
                 </a:solidFill>
@@ -11043,7 +11043,7 @@
               </a14:hiddenLine>
             </a:ext>
             <a:ext uri="{AF507438-7753-43e0-B8FC-AC1667EBCBE1}">
-              <a14:hiddenEffects xmlns:a14="http://schemas.microsoft.com/office/drawing/2010/main" xmlns="">
+              <a14:hiddenEffects xmlns="" xmlns:a14="http://schemas.microsoft.com/office/drawing/2010/main">
                 <a:effectLst>
                   <a:outerShdw blurRad="63500" dist="38099" dir="2700000" algn="ctr" rotWithShape="0">
                     <a:schemeClr val="bg2">
@@ -11125,14 +11125,14 @@
           <a:effectLst/>
           <a:extLst>
             <a:ext uri="{909E8E84-426E-40dd-AFC4-6F175D3DCCD1}">
-              <a14:hiddenFill xmlns:a14="http://schemas.microsoft.com/office/drawing/2010/main" xmlns="">
+              <a14:hiddenFill xmlns="" xmlns:a14="http://schemas.microsoft.com/office/drawing/2010/main">
                 <a:solidFill>
                   <a:schemeClr val="accent1"/>
                 </a:solidFill>
               </a14:hiddenFill>
             </a:ext>
             <a:ext uri="{91240B29-F687-4f45-9708-019B960494DF}">
-              <a14:hiddenLine xmlns:a14="http://schemas.microsoft.com/office/drawing/2010/main" xmlns="" w="9525">
+              <a14:hiddenLine xmlns="" xmlns:a14="http://schemas.microsoft.com/office/drawing/2010/main" w="9525">
                 <a:solidFill>
                   <a:schemeClr val="tx1"/>
                 </a:solidFill>
@@ -11142,7 +11142,7 @@
               </a14:hiddenLine>
             </a:ext>
             <a:ext uri="{AF507438-7753-43e0-B8FC-AC1667EBCBE1}">
-              <a14:hiddenEffects xmlns:a14="http://schemas.microsoft.com/office/drawing/2010/main" xmlns="">
+              <a14:hiddenEffects xmlns="" xmlns:a14="http://schemas.microsoft.com/office/drawing/2010/main">
                 <a:effectLst>
                   <a:outerShdw blurRad="63500" dist="38099" dir="2700000" algn="ctr" rotWithShape="0">
                     <a:schemeClr val="bg2">
@@ -11226,14 +11226,14 @@
           <a:effectLst/>
           <a:extLst>
             <a:ext uri="{909E8E84-426E-40dd-AFC4-6F175D3DCCD1}">
-              <a14:hiddenFill xmlns:a14="http://schemas.microsoft.com/office/drawing/2010/main" xmlns="">
+              <a14:hiddenFill xmlns="" xmlns:a14="http://schemas.microsoft.com/office/drawing/2010/main">
                 <a:solidFill>
                   <a:schemeClr val="accent1"/>
                 </a:solidFill>
               </a14:hiddenFill>
             </a:ext>
             <a:ext uri="{91240B29-F687-4f45-9708-019B960494DF}">
-              <a14:hiddenLine xmlns:a14="http://schemas.microsoft.com/office/drawing/2010/main" xmlns="" w="9525">
+              <a14:hiddenLine xmlns="" xmlns:a14="http://schemas.microsoft.com/office/drawing/2010/main" w="9525">
                 <a:solidFill>
                   <a:schemeClr val="tx1"/>
                 </a:solidFill>
@@ -11243,7 +11243,7 @@
               </a14:hiddenLine>
             </a:ext>
             <a:ext uri="{AF507438-7753-43e0-B8FC-AC1667EBCBE1}">
-              <a14:hiddenEffects xmlns:a14="http://schemas.microsoft.com/office/drawing/2010/main" xmlns="">
+              <a14:hiddenEffects xmlns="" xmlns:a14="http://schemas.microsoft.com/office/drawing/2010/main">
                 <a:effectLst>
                   <a:outerShdw blurRad="63500" dist="38099" dir="2700000" algn="ctr" rotWithShape="0">
                     <a:schemeClr val="bg2">
@@ -11325,14 +11325,14 @@
           <a:effectLst/>
           <a:extLst>
             <a:ext uri="{909E8E84-426E-40dd-AFC4-6F175D3DCCD1}">
-              <a14:hiddenFill xmlns:a14="http://schemas.microsoft.com/office/drawing/2010/main" xmlns="">
+              <a14:hiddenFill xmlns="" xmlns:a14="http://schemas.microsoft.com/office/drawing/2010/main">
                 <a:solidFill>
                   <a:schemeClr val="accent1"/>
                 </a:solidFill>
               </a14:hiddenFill>
             </a:ext>
             <a:ext uri="{91240B29-F687-4f45-9708-019B960494DF}">
-              <a14:hiddenLine xmlns:a14="http://schemas.microsoft.com/office/drawing/2010/main" xmlns="" w="9525">
+              <a14:hiddenLine xmlns="" xmlns:a14="http://schemas.microsoft.com/office/drawing/2010/main" w="9525">
                 <a:solidFill>
                   <a:schemeClr val="tx1"/>
                 </a:solidFill>
@@ -11342,7 +11342,7 @@
               </a14:hiddenLine>
             </a:ext>
             <a:ext uri="{AF507438-7753-43e0-B8FC-AC1667EBCBE1}">
-              <a14:hiddenEffects xmlns:a14="http://schemas.microsoft.com/office/drawing/2010/main" xmlns="">
+              <a14:hiddenEffects xmlns="" xmlns:a14="http://schemas.microsoft.com/office/drawing/2010/main">
                 <a:effectLst>
                   <a:outerShdw blurRad="63500" dist="38099" dir="2700000" algn="ctr" rotWithShape="0">
                     <a:schemeClr val="bg2">
@@ -11428,7 +11428,7 @@
           <a:effectLst/>
           <a:extLst>
             <a:ext uri="{91240B29-F687-4f45-9708-019B960494DF}">
-              <a14:hiddenLine xmlns:a14="http://schemas.microsoft.com/office/drawing/2010/main" xmlns="" w="9525">
+              <a14:hiddenLine xmlns="" xmlns:a14="http://schemas.microsoft.com/office/drawing/2010/main" w="9525">
                 <a:solidFill>
                   <a:schemeClr val="tx1"/>
                 </a:solidFill>
@@ -11438,7 +11438,7 @@
               </a14:hiddenLine>
             </a:ext>
             <a:ext uri="{AF507438-7753-43e0-B8FC-AC1667EBCBE1}">
-              <a14:hiddenEffects xmlns:a14="http://schemas.microsoft.com/office/drawing/2010/main" xmlns="">
+              <a14:hiddenEffects xmlns="" xmlns:a14="http://schemas.microsoft.com/office/drawing/2010/main">
                 <a:effectLst>
                   <a:outerShdw blurRad="63500" dist="38099" dir="2700000" algn="ctr" rotWithShape="0">
                     <a:schemeClr val="bg2">
@@ -11611,7 +11611,7 @@
           <a:effectLst/>
           <a:extLst>
             <a:ext uri="{91240B29-F687-4f45-9708-019B960494DF}">
-              <a14:hiddenLine xmlns:a14="http://schemas.microsoft.com/office/drawing/2010/main" xmlns="" w="9525">
+              <a14:hiddenLine xmlns="" xmlns:a14="http://schemas.microsoft.com/office/drawing/2010/main" w="9525">
                 <a:solidFill>
                   <a:schemeClr val="tx1"/>
                 </a:solidFill>
@@ -11621,7 +11621,7 @@
               </a14:hiddenLine>
             </a:ext>
             <a:ext uri="{AF507438-7753-43e0-B8FC-AC1667EBCBE1}">
-              <a14:hiddenEffects xmlns:a14="http://schemas.microsoft.com/office/drawing/2010/main" xmlns="">
+              <a14:hiddenEffects xmlns="" xmlns:a14="http://schemas.microsoft.com/office/drawing/2010/main">
                 <a:effectLst>
                   <a:outerShdw blurRad="63500" dist="38099" dir="2700000" algn="ctr" rotWithShape="0">
                     <a:schemeClr val="bg2">
@@ -11794,7 +11794,7 @@
           <a:effectLst/>
           <a:extLst>
             <a:ext uri="{91240B29-F687-4f45-9708-019B960494DF}">
-              <a14:hiddenLine xmlns:a14="http://schemas.microsoft.com/office/drawing/2010/main" xmlns="" w="9525">
+              <a14:hiddenLine xmlns="" xmlns:a14="http://schemas.microsoft.com/office/drawing/2010/main" w="9525">
                 <a:solidFill>
                   <a:schemeClr val="tx1"/>
                 </a:solidFill>
@@ -11804,7 +11804,7 @@
               </a14:hiddenLine>
             </a:ext>
             <a:ext uri="{AF507438-7753-43e0-B8FC-AC1667EBCBE1}">
-              <a14:hiddenEffects xmlns:a14="http://schemas.microsoft.com/office/drawing/2010/main" xmlns="">
+              <a14:hiddenEffects xmlns="" xmlns:a14="http://schemas.microsoft.com/office/drawing/2010/main">
                 <a:effectLst>
                   <a:outerShdw blurRad="63500" dist="38099" dir="2700000" algn="ctr" rotWithShape="0">
                     <a:schemeClr val="bg2">
@@ -12143,14 +12143,14 @@
           </a:ln>
           <a:extLst>
             <a:ext uri="{909E8E84-426E-40dd-AFC4-6F175D3DCCD1}">
-              <a14:hiddenFill xmlns:a14="http://schemas.microsoft.com/office/drawing/2010/main" xmlns="">
+              <a14:hiddenFill xmlns="" xmlns:a14="http://schemas.microsoft.com/office/drawing/2010/main">
                 <a:solidFill>
                   <a:srgbClr val="FFFFFF"/>
                 </a:solidFill>
               </a14:hiddenFill>
             </a:ext>
             <a:ext uri="{91240B29-F687-4f45-9708-019B960494DF}">
-              <a14:hiddenLine xmlns:a14="http://schemas.microsoft.com/office/drawing/2010/main" xmlns="" w="9525">
+              <a14:hiddenLine xmlns="" xmlns:a14="http://schemas.microsoft.com/office/drawing/2010/main" w="9525">
                 <a:solidFill>
                   <a:srgbClr val="000000"/>
                 </a:solidFill>
@@ -12203,14 +12203,14 @@
           </a:ln>
           <a:extLst>
             <a:ext uri="{909E8E84-426E-40dd-AFC4-6F175D3DCCD1}">
-              <a14:hiddenFill xmlns:a14="http://schemas.microsoft.com/office/drawing/2010/main" xmlns="">
+              <a14:hiddenFill xmlns="" xmlns:a14="http://schemas.microsoft.com/office/drawing/2010/main">
                 <a:solidFill>
                   <a:srgbClr val="FFFFFF"/>
                 </a:solidFill>
               </a14:hiddenFill>
             </a:ext>
             <a:ext uri="{91240B29-F687-4f45-9708-019B960494DF}">
-              <a14:hiddenLine xmlns:a14="http://schemas.microsoft.com/office/drawing/2010/main" xmlns="" w="9525">
+              <a14:hiddenLine xmlns="" xmlns:a14="http://schemas.microsoft.com/office/drawing/2010/main" w="9525">
                 <a:solidFill>
                   <a:srgbClr val="000000"/>
                 </a:solidFill>
@@ -12279,7 +12279,7 @@
               </a14:hiddenLine>
             </a:ext>
             <a:ext uri="{FAA26D3D-D897-4be2-8F04-BA451C77F1D7}">
-              <ma14:placeholderFlag xmlns:ma14="http://schemas.microsoft.com/office/mac/drawingml/2011/main" xmlns="" val="1"/>
+              <ma14:placeholderFlag xmlns="" xmlns:ma14="http://schemas.microsoft.com/office/mac/drawingml/2011/main" val="1"/>
             </a:ext>
           </a:extLst>
         </p:spPr>
@@ -12342,7 +12342,7 @@
               </a14:hiddenLine>
             </a:ext>
             <a:ext uri="{FAA26D3D-D897-4be2-8F04-BA451C77F1D7}">
-              <ma14:placeholderFlag xmlns:ma14="http://schemas.microsoft.com/office/mac/drawingml/2011/main" xmlns="" val="1"/>
+              <ma14:placeholderFlag xmlns="" xmlns:ma14="http://schemas.microsoft.com/office/mac/drawingml/2011/main" val="1"/>
             </a:ext>
           </a:extLst>
         </p:spPr>
